--- a/Pp đồ án.pptx
+++ b/Pp đồ án.pptx
@@ -5,7 +5,7 @@
     <p:sldMasterId id="2147483648" r:id="rId1"/>
   </p:sldMasterIdLst>
   <p:notesMasterIdLst>
-    <p:notesMasterId r:id="rId12"/>
+    <p:notesMasterId r:id="rId13"/>
   </p:notesMasterIdLst>
   <p:sldIdLst>
     <p:sldId id="256" r:id="rId3"/>
@@ -15,8 +15,9 @@
     <p:sldId id="261" r:id="rId7"/>
     <p:sldId id="267" r:id="rId8"/>
     <p:sldId id="268" r:id="rId9"/>
-    <p:sldId id="263" r:id="rId10"/>
-    <p:sldId id="264" r:id="rId11"/>
+    <p:sldId id="272" r:id="rId10"/>
+    <p:sldId id="263" r:id="rId11"/>
+    <p:sldId id="264" r:id="rId12"/>
   </p:sldIdLst>
   <p:sldSz cx="12192000" cy="6858000"/>
   <p:notesSz cx="6858000" cy="9144000"/>
@@ -4055,6 +4056,106 @@
       </p:par>
     </p:tnLst>
   </p:timing>
+</p:sld>
+</file>
+
+<file path=ppt/slides/slide10.xml><?xml version="1.0" encoding="utf-8"?>
+<p:sld xmlns:a="http://schemas.openxmlformats.org/drawingml/2006/main" xmlns:r="http://schemas.openxmlformats.org/officeDocument/2006/relationships" xmlns:p="http://schemas.openxmlformats.org/presentationml/2006/main">
+  <p:cSld>
+    <p:spTree>
+      <p:nvGrpSpPr>
+        <p:cNvPr id="1" name=""/>
+        <p:cNvGrpSpPr/>
+        <p:nvPr/>
+      </p:nvGrpSpPr>
+      <p:grpSpPr/>
+      <p:sp>
+        <p:nvSpPr>
+          <p:cNvPr id="4" name="Rectangles 3"/>
+          <p:cNvSpPr/>
+          <p:nvPr/>
+        </p:nvSpPr>
+        <p:spPr>
+          <a:xfrm>
+            <a:off x="2884170" y="2829560"/>
+            <a:ext cx="6423025" cy="1198880"/>
+          </a:xfrm>
+          <a:prstGeom prst="rect">
+            <a:avLst/>
+          </a:prstGeom>
+          <a:noFill/>
+          <a:ln>
+            <a:noFill/>
+          </a:ln>
+        </p:spPr>
+        <p:txBody>
+          <a:bodyPr wrap="none" rtlCol="0" anchor="t">
+            <a:spAutoFit/>
+          </a:bodyPr>
+          <a:p>
+            <a:pPr algn="ctr"/>
+            <a:r>
+              <a:rPr lang="en-US" sz="7200" b="1">
+                <a:ln w="12700">
+                  <a:solidFill>
+                    <a:schemeClr val="accent1"/>
+                  </a:solidFill>
+                  <a:prstDash val="solid"/>
+                </a:ln>
+                <a:pattFill prst="pct50">
+                  <a:fgClr>
+                    <a:schemeClr val="accent1"/>
+                  </a:fgClr>
+                  <a:bgClr>
+                    <a:schemeClr val="accent1">
+                      <a:lumMod val="20000"/>
+                      <a:lumOff val="80000"/>
+                    </a:schemeClr>
+                  </a:bgClr>
+                </a:pattFill>
+                <a:effectLst>
+                  <a:outerShdw dist="38100" dir="2640000" algn="bl" rotWithShape="0">
+                    <a:schemeClr val="accent1"/>
+                  </a:outerShdw>
+                </a:effectLst>
+              </a:rPr>
+              <a:t>Trả lời câu hỏi</a:t>
+            </a:r>
+            <a:endParaRPr lang="en-US" sz="7200" b="1">
+              <a:ln w="12700">
+                <a:solidFill>
+                  <a:schemeClr val="accent1"/>
+                </a:solidFill>
+                <a:prstDash val="solid"/>
+              </a:ln>
+              <a:pattFill prst="pct50">
+                <a:fgClr>
+                  <a:schemeClr val="accent1"/>
+                </a:fgClr>
+                <a:bgClr>
+                  <a:schemeClr val="accent1">
+                    <a:lumMod val="20000"/>
+                    <a:lumOff val="80000"/>
+                  </a:schemeClr>
+                </a:bgClr>
+              </a:pattFill>
+              <a:effectLst>
+                <a:outerShdw dist="38100" dir="2640000" algn="bl" rotWithShape="0">
+                  <a:schemeClr val="accent1"/>
+                </a:outerShdw>
+              </a:effectLst>
+            </a:endParaRPr>
+          </a:p>
+        </p:txBody>
+      </p:sp>
+    </p:spTree>
+  </p:cSld>
+  <p:clrMapOvr>
+    <a:masterClrMapping/>
+  </p:clrMapOvr>
+  <p:transition>
+    <p:wheel spokes="8"/>
+  </p:transition>
 </p:sld>
 </file>
 
@@ -6401,6 +6502,158 @@
       <p:grpSpPr/>
       <p:sp>
         <p:nvSpPr>
+          <p:cNvPr id="2" name="Title 1"/>
+          <p:cNvSpPr>
+            <a:spLocks noGrp="1"/>
+          </p:cNvSpPr>
+          <p:nvPr>
+            <p:ph type="title"/>
+          </p:nvPr>
+        </p:nvSpPr>
+        <p:spPr/>
+        <p:txBody>
+          <a:bodyPr/>
+          <a:p>
+            <a:r>
+              <a:rPr lang="en-US" b="1"/>
+              <a:t>Kết Luận</a:t>
+            </a:r>
+            <a:endParaRPr lang="en-US" b="1"/>
+          </a:p>
+        </p:txBody>
+      </p:sp>
+      <p:pic>
+        <p:nvPicPr>
+          <p:cNvPr id="5" name="Content Placeholder 4"/>
+          <p:cNvPicPr>
+            <a:picLocks noChangeAspect="1"/>
+          </p:cNvPicPr>
+          <p:nvPr>
+            <p:ph sz="half" idx="1"/>
+          </p:nvPr>
+        </p:nvPicPr>
+        <p:blipFill>
+          <a:blip r:embed="rId1"/>
+          <a:stretch>
+            <a:fillRect/>
+          </a:stretch>
+        </p:blipFill>
+        <p:spPr>
+          <a:xfrm>
+            <a:off x="3757295" y="1232535"/>
+            <a:ext cx="4359910" cy="5118100"/>
+          </a:xfrm>
+          <a:prstGeom prst="rect">
+            <a:avLst/>
+          </a:prstGeom>
+        </p:spPr>
+      </p:pic>
+    </p:spTree>
+  </p:cSld>
+  <p:clrMapOvr>
+    <a:masterClrMapping/>
+  </p:clrMapOvr>
+  <p:timing>
+    <p:tnLst>
+      <p:par>
+        <p:cTn id="1" dur="indefinite" restart="never" nodeType="tmRoot">
+          <p:childTnLst>
+            <p:seq concurrent="1" nextAc="seek">
+              <p:cTn id="2" dur="indefinite" nodeType="mainSeq">
+                <p:childTnLst>
+                  <p:par>
+                    <p:cTn id="3" fill="hold">
+                      <p:stCondLst>
+                        <p:cond delay="indefinite"/>
+                        <p:cond evt="onBegin" delay="0">
+                          <p:tn val="2"/>
+                        </p:cond>
+                      </p:stCondLst>
+                      <p:childTnLst>
+                        <p:par>
+                          <p:cTn id="4" fill="hold">
+                            <p:stCondLst>
+                              <p:cond delay="0"/>
+                            </p:stCondLst>
+                            <p:childTnLst>
+                              <p:par>
+                                <p:cTn id="5" presetID="20" presetClass="entr" presetSubtype="0" fill="hold" nodeType="afterEffect">
+                                  <p:stCondLst>
+                                    <p:cond delay="0"/>
+                                  </p:stCondLst>
+                                  <p:childTnLst>
+                                    <p:set>
+                                      <p:cBhvr>
+                                        <p:cTn id="6" dur="1" fill="hold">
+                                          <p:stCondLst>
+                                            <p:cond delay="0"/>
+                                          </p:stCondLst>
+                                        </p:cTn>
+                                        <p:tgtEl>
+                                          <p:spTgt spid="5"/>
+                                        </p:tgtEl>
+                                        <p:attrNameLst>
+                                          <p:attrName>style.visibility</p:attrName>
+                                        </p:attrNameLst>
+                                      </p:cBhvr>
+                                      <p:to>
+                                        <p:strVal val="visible"/>
+                                      </p:to>
+                                    </p:set>
+                                    <p:animEffect transition="in" filter="wedge">
+                                      <p:cBhvr>
+                                        <p:cTn id="7" dur="2000"/>
+                                        <p:tgtEl>
+                                          <p:spTgt spid="5"/>
+                                        </p:tgtEl>
+                                      </p:cBhvr>
+                                    </p:animEffect>
+                                  </p:childTnLst>
+                                </p:cTn>
+                              </p:par>
+                            </p:childTnLst>
+                          </p:cTn>
+                        </p:par>
+                      </p:childTnLst>
+                    </p:cTn>
+                  </p:par>
+                </p:childTnLst>
+              </p:cTn>
+              <p:prevCondLst>
+                <p:cond evt="onPrev" delay="0">
+                  <p:tgtEl>
+                    <p:sldTgt/>
+                  </p:tgtEl>
+                </p:cond>
+              </p:prevCondLst>
+              <p:nextCondLst>
+                <p:cond evt="onNext" delay="0">
+                  <p:tgtEl>
+                    <p:sldTgt/>
+                  </p:tgtEl>
+                </p:cond>
+              </p:nextCondLst>
+            </p:seq>
+          </p:childTnLst>
+        </p:cTn>
+      </p:par>
+    </p:tnLst>
+  </p:timing>
+</p:sld>
+</file>
+
+<file path=ppt/slides/slide9.xml><?xml version="1.0" encoding="utf-8"?>
+<p:sld xmlns:a="http://schemas.openxmlformats.org/drawingml/2006/main" xmlns:r="http://schemas.openxmlformats.org/officeDocument/2006/relationships" xmlns:p="http://schemas.openxmlformats.org/presentationml/2006/main">
+  <p:cSld>
+    <p:spTree>
+      <p:nvGrpSpPr>
+        <p:cNvPr id="1" name=""/>
+        <p:cNvGrpSpPr/>
+        <p:nvPr/>
+      </p:nvGrpSpPr>
+      <p:grpSpPr/>
+      <p:sp>
+        <p:nvSpPr>
           <p:cNvPr id="4" name="Rectangles 3"/>
           <p:cNvSpPr/>
           <p:nvPr/>
@@ -6602,106 +6855,6 @@
       <p:bldP spid="4" grpId="0"/>
     </p:bldLst>
   </p:timing>
-</p:sld>
-</file>
-
-<file path=ppt/slides/slide9.xml><?xml version="1.0" encoding="utf-8"?>
-<p:sld xmlns:a="http://schemas.openxmlformats.org/drawingml/2006/main" xmlns:r="http://schemas.openxmlformats.org/officeDocument/2006/relationships" xmlns:p="http://schemas.openxmlformats.org/presentationml/2006/main">
-  <p:cSld>
-    <p:spTree>
-      <p:nvGrpSpPr>
-        <p:cNvPr id="1" name=""/>
-        <p:cNvGrpSpPr/>
-        <p:nvPr/>
-      </p:nvGrpSpPr>
-      <p:grpSpPr/>
-      <p:sp>
-        <p:nvSpPr>
-          <p:cNvPr id="4" name="Rectangles 3"/>
-          <p:cNvSpPr/>
-          <p:nvPr/>
-        </p:nvSpPr>
-        <p:spPr>
-          <a:xfrm>
-            <a:off x="2884170" y="2829560"/>
-            <a:ext cx="6423025" cy="1198880"/>
-          </a:xfrm>
-          <a:prstGeom prst="rect">
-            <a:avLst/>
-          </a:prstGeom>
-          <a:noFill/>
-          <a:ln>
-            <a:noFill/>
-          </a:ln>
-        </p:spPr>
-        <p:txBody>
-          <a:bodyPr wrap="none" rtlCol="0" anchor="t">
-            <a:spAutoFit/>
-          </a:bodyPr>
-          <a:p>
-            <a:pPr algn="ctr"/>
-            <a:r>
-              <a:rPr lang="en-US" sz="7200" b="1">
-                <a:ln w="12700">
-                  <a:solidFill>
-                    <a:schemeClr val="accent1"/>
-                  </a:solidFill>
-                  <a:prstDash val="solid"/>
-                </a:ln>
-                <a:pattFill prst="pct50">
-                  <a:fgClr>
-                    <a:schemeClr val="accent1"/>
-                  </a:fgClr>
-                  <a:bgClr>
-                    <a:schemeClr val="accent1">
-                      <a:lumMod val="20000"/>
-                      <a:lumOff val="80000"/>
-                    </a:schemeClr>
-                  </a:bgClr>
-                </a:pattFill>
-                <a:effectLst>
-                  <a:outerShdw dist="38100" dir="2640000" algn="bl" rotWithShape="0">
-                    <a:schemeClr val="accent1"/>
-                  </a:outerShdw>
-                </a:effectLst>
-              </a:rPr>
-              <a:t>Trả lời câu hỏi</a:t>
-            </a:r>
-            <a:endParaRPr lang="en-US" sz="7200" b="1">
-              <a:ln w="12700">
-                <a:solidFill>
-                  <a:schemeClr val="accent1"/>
-                </a:solidFill>
-                <a:prstDash val="solid"/>
-              </a:ln>
-              <a:pattFill prst="pct50">
-                <a:fgClr>
-                  <a:schemeClr val="accent1"/>
-                </a:fgClr>
-                <a:bgClr>
-                  <a:schemeClr val="accent1">
-                    <a:lumMod val="20000"/>
-                    <a:lumOff val="80000"/>
-                  </a:schemeClr>
-                </a:bgClr>
-              </a:pattFill>
-              <a:effectLst>
-                <a:outerShdw dist="38100" dir="2640000" algn="bl" rotWithShape="0">
-                  <a:schemeClr val="accent1"/>
-                </a:outerShdw>
-              </a:effectLst>
-            </a:endParaRPr>
-          </a:p>
-        </p:txBody>
-      </p:sp>
-    </p:spTree>
-  </p:cSld>
-  <p:clrMapOvr>
-    <a:masterClrMapping/>
-  </p:clrMapOvr>
-  <p:transition>
-    <p:wheel spokes="8"/>
-  </p:transition>
 </p:sld>
 </file>
 
